--- a/docs/Task2.pptx
+++ b/docs/Task2.pptx
@@ -259,7 +259,7 @@
           <a:p>
             <a:fld id="{E4169E93-F9BF-4074-9D37-5B8B98BED8F0}" type="datetimeFigureOut">
               <a:rPr lang="de-DE" smtClean="0"/>
-              <a:t>16.11.2019</a:t>
+              <a:t>19.11.19</a:t>
             </a:fld>
             <a:endParaRPr lang="de-DE"/>
           </a:p>
@@ -457,7 +457,7 @@
           <a:p>
             <a:fld id="{E4169E93-F9BF-4074-9D37-5B8B98BED8F0}" type="datetimeFigureOut">
               <a:rPr lang="de-DE" smtClean="0"/>
-              <a:t>16.11.2019</a:t>
+              <a:t>19.11.19</a:t>
             </a:fld>
             <a:endParaRPr lang="de-DE"/>
           </a:p>
@@ -665,7 +665,7 @@
           <a:p>
             <a:fld id="{E4169E93-F9BF-4074-9D37-5B8B98BED8F0}" type="datetimeFigureOut">
               <a:rPr lang="de-DE" smtClean="0"/>
-              <a:t>16.11.2019</a:t>
+              <a:t>19.11.19</a:t>
             </a:fld>
             <a:endParaRPr lang="de-DE"/>
           </a:p>
@@ -863,7 +863,7 @@
           <a:p>
             <a:fld id="{E4169E93-F9BF-4074-9D37-5B8B98BED8F0}" type="datetimeFigureOut">
               <a:rPr lang="de-DE" smtClean="0"/>
-              <a:t>16.11.2019</a:t>
+              <a:t>19.11.19</a:t>
             </a:fld>
             <a:endParaRPr lang="de-DE"/>
           </a:p>
@@ -1138,7 +1138,7 @@
           <a:p>
             <a:fld id="{E4169E93-F9BF-4074-9D37-5B8B98BED8F0}" type="datetimeFigureOut">
               <a:rPr lang="de-DE" smtClean="0"/>
-              <a:t>16.11.2019</a:t>
+              <a:t>19.11.19</a:t>
             </a:fld>
             <a:endParaRPr lang="de-DE"/>
           </a:p>
@@ -1403,7 +1403,7 @@
           <a:p>
             <a:fld id="{E4169E93-F9BF-4074-9D37-5B8B98BED8F0}" type="datetimeFigureOut">
               <a:rPr lang="de-DE" smtClean="0"/>
-              <a:t>16.11.2019</a:t>
+              <a:t>19.11.19</a:t>
             </a:fld>
             <a:endParaRPr lang="de-DE"/>
           </a:p>
@@ -1815,7 +1815,7 @@
           <a:p>
             <a:fld id="{E4169E93-F9BF-4074-9D37-5B8B98BED8F0}" type="datetimeFigureOut">
               <a:rPr lang="de-DE" smtClean="0"/>
-              <a:t>16.11.2019</a:t>
+              <a:t>19.11.19</a:t>
             </a:fld>
             <a:endParaRPr lang="de-DE"/>
           </a:p>
@@ -1956,7 +1956,7 @@
           <a:p>
             <a:fld id="{E4169E93-F9BF-4074-9D37-5B8B98BED8F0}" type="datetimeFigureOut">
               <a:rPr lang="de-DE" smtClean="0"/>
-              <a:t>16.11.2019</a:t>
+              <a:t>19.11.19</a:t>
             </a:fld>
             <a:endParaRPr lang="de-DE"/>
           </a:p>
@@ -2069,7 +2069,7 @@
           <a:p>
             <a:fld id="{E4169E93-F9BF-4074-9D37-5B8B98BED8F0}" type="datetimeFigureOut">
               <a:rPr lang="de-DE" smtClean="0"/>
-              <a:t>16.11.2019</a:t>
+              <a:t>19.11.19</a:t>
             </a:fld>
             <a:endParaRPr lang="de-DE"/>
           </a:p>
@@ -2380,7 +2380,7 @@
           <a:p>
             <a:fld id="{E4169E93-F9BF-4074-9D37-5B8B98BED8F0}" type="datetimeFigureOut">
               <a:rPr lang="de-DE" smtClean="0"/>
-              <a:t>16.11.2019</a:t>
+              <a:t>19.11.19</a:t>
             </a:fld>
             <a:endParaRPr lang="de-DE"/>
           </a:p>
@@ -2668,7 +2668,7 @@
           <a:p>
             <a:fld id="{E4169E93-F9BF-4074-9D37-5B8B98BED8F0}" type="datetimeFigureOut">
               <a:rPr lang="de-DE" smtClean="0"/>
-              <a:t>16.11.2019</a:t>
+              <a:t>19.11.19</a:t>
             </a:fld>
             <a:endParaRPr lang="de-DE"/>
           </a:p>
@@ -2909,7 +2909,7 @@
           <a:p>
             <a:fld id="{E4169E93-F9BF-4074-9D37-5B8B98BED8F0}" type="datetimeFigureOut">
               <a:rPr lang="de-DE" smtClean="0"/>
-              <a:t>16.11.2019</a:t>
+              <a:t>19.11.19</a:t>
             </a:fld>
             <a:endParaRPr lang="de-DE"/>
           </a:p>
@@ -3629,7 +3629,7 @@
             <a:pPr algn="ctr"/>
             <a:r>
               <a:rPr lang="de-DE" dirty="0"/>
-              <a:t>Auth Service</a:t>
+              <a:t>User Service</a:t>
             </a:r>
           </a:p>
         </p:txBody>
@@ -4090,8 +4090,12 @@
           <a:p>
             <a:pPr algn="ctr"/>
             <a:r>
+              <a:rPr lang="de-DE" dirty="0" err="1"/>
+              <a:t>Inventory</a:t>
+            </a:r>
+            <a:r>
               <a:rPr lang="de-DE" dirty="0"/>
-              <a:t>Chain Service</a:t>
+              <a:t> Service</a:t>
             </a:r>
           </a:p>
         </p:txBody>
